--- a/Python/python_development_practices.pptx
+++ b/Python/python_development_practices.pptx
@@ -5,7 +5,7 @@
     <p:sldMasterId id="2147483660" r:id="rId1"/>
   </p:sldMasterIdLst>
   <p:notesMasterIdLst>
-    <p:notesMasterId r:id="rId12"/>
+    <p:notesMasterId r:id="rId13"/>
   </p:notesMasterIdLst>
   <p:sldIdLst>
     <p:sldId id="256" r:id="rId2"/>
@@ -18,6 +18,7 @@
     <p:sldId id="262" r:id="rId9"/>
     <p:sldId id="264" r:id="rId10"/>
     <p:sldId id="265" r:id="rId11"/>
+    <p:sldId id="266" r:id="rId12"/>
   </p:sldIdLst>
   <p:sldSz cx="9144000" cy="6858000" type="screen4x3"/>
   <p:notesSz cx="6858000" cy="9144000"/>
@@ -206,7 +207,7 @@
           <a:p>
             <a:fld id="{03DC287A-34DE-4461-AD1D-9F5D19819D26}" type="datetimeFigureOut">
               <a:rPr lang="en-US" smtClean="0"/>
-              <a:t>2016-06-02</a:t>
+              <a:t>2016-06-03</a:t>
             </a:fld>
             <a:endParaRPr lang="en-US"/>
           </a:p>
@@ -860,7 +861,7 @@
           <a:p>
             <a:fld id="{2B3CC443-572D-4CF3-967C-F4B193BF6B17}" type="datetimeFigureOut">
               <a:rPr lang="en-US" smtClean="0"/>
-              <a:t>2016-06-02</a:t>
+              <a:t>2016-06-03</a:t>
             </a:fld>
             <a:endParaRPr lang="en-US"/>
           </a:p>
@@ -1030,7 +1031,7 @@
           <a:p>
             <a:fld id="{2B3CC443-572D-4CF3-967C-F4B193BF6B17}" type="datetimeFigureOut">
               <a:rPr lang="en-US" smtClean="0"/>
-              <a:t>2016-06-02</a:t>
+              <a:t>2016-06-03</a:t>
             </a:fld>
             <a:endParaRPr lang="en-US"/>
           </a:p>
@@ -1210,7 +1211,7 @@
           <a:p>
             <a:fld id="{2B3CC443-572D-4CF3-967C-F4B193BF6B17}" type="datetimeFigureOut">
               <a:rPr lang="en-US" smtClean="0"/>
-              <a:t>2016-06-02</a:t>
+              <a:t>2016-06-03</a:t>
             </a:fld>
             <a:endParaRPr lang="en-US"/>
           </a:p>
@@ -1380,7 +1381,7 @@
           <a:p>
             <a:fld id="{2B3CC443-572D-4CF3-967C-F4B193BF6B17}" type="datetimeFigureOut">
               <a:rPr lang="en-US" smtClean="0"/>
-              <a:t>2016-06-02</a:t>
+              <a:t>2016-06-03</a:t>
             </a:fld>
             <a:endParaRPr lang="en-US"/>
           </a:p>
@@ -1624,7 +1625,7 @@
           <a:p>
             <a:fld id="{2B3CC443-572D-4CF3-967C-F4B193BF6B17}" type="datetimeFigureOut">
               <a:rPr lang="en-US" smtClean="0"/>
-              <a:t>2016-06-02</a:t>
+              <a:t>2016-06-03</a:t>
             </a:fld>
             <a:endParaRPr lang="en-US"/>
           </a:p>
@@ -1856,7 +1857,7 @@
           <a:p>
             <a:fld id="{2B3CC443-572D-4CF3-967C-F4B193BF6B17}" type="datetimeFigureOut">
               <a:rPr lang="en-US" smtClean="0"/>
-              <a:t>2016-06-02</a:t>
+              <a:t>2016-06-03</a:t>
             </a:fld>
             <a:endParaRPr lang="en-US"/>
           </a:p>
@@ -2223,7 +2224,7 @@
           <a:p>
             <a:fld id="{2B3CC443-572D-4CF3-967C-F4B193BF6B17}" type="datetimeFigureOut">
               <a:rPr lang="en-US" smtClean="0"/>
-              <a:t>2016-06-02</a:t>
+              <a:t>2016-06-03</a:t>
             </a:fld>
             <a:endParaRPr lang="en-US"/>
           </a:p>
@@ -2341,7 +2342,7 @@
           <a:p>
             <a:fld id="{2B3CC443-572D-4CF3-967C-F4B193BF6B17}" type="datetimeFigureOut">
               <a:rPr lang="en-US" smtClean="0"/>
-              <a:t>2016-06-02</a:t>
+              <a:t>2016-06-03</a:t>
             </a:fld>
             <a:endParaRPr lang="en-US"/>
           </a:p>
@@ -2436,7 +2437,7 @@
           <a:p>
             <a:fld id="{2B3CC443-572D-4CF3-967C-F4B193BF6B17}" type="datetimeFigureOut">
               <a:rPr lang="en-US" smtClean="0"/>
-              <a:t>2016-06-02</a:t>
+              <a:t>2016-06-03</a:t>
             </a:fld>
             <a:endParaRPr lang="en-US"/>
           </a:p>
@@ -2713,7 +2714,7 @@
           <a:p>
             <a:fld id="{2B3CC443-572D-4CF3-967C-F4B193BF6B17}" type="datetimeFigureOut">
               <a:rPr lang="en-US" smtClean="0"/>
-              <a:t>2016-06-02</a:t>
+              <a:t>2016-06-03</a:t>
             </a:fld>
             <a:endParaRPr lang="en-US"/>
           </a:p>
@@ -2970,7 +2971,7 @@
           <a:p>
             <a:fld id="{2B3CC443-572D-4CF3-967C-F4B193BF6B17}" type="datetimeFigureOut">
               <a:rPr lang="en-US" smtClean="0"/>
-              <a:t>2016-06-02</a:t>
+              <a:t>2016-06-03</a:t>
             </a:fld>
             <a:endParaRPr lang="en-US"/>
           </a:p>
@@ -3183,7 +3184,7 @@
           <a:p>
             <a:fld id="{2B3CC443-572D-4CF3-967C-F4B193BF6B17}" type="datetimeFigureOut">
               <a:rPr lang="en-US" smtClean="0"/>
-              <a:t>2016-06-02</a:t>
+              <a:t>2016-06-03</a:t>
             </a:fld>
             <a:endParaRPr lang="en-US"/>
           </a:p>
@@ -3605,15 +3606,7 @@
           <a:p>
             <a:r>
               <a:rPr lang="en-US" dirty="0" smtClean="0"/>
-              <a:t>Python </a:t>
-            </a:r>
-            <a:r>
-              <a:rPr lang="en-US" dirty="0" smtClean="0"/>
-              <a:t>development</a:t>
-            </a:r>
-            <a:r>
-              <a:rPr lang="en-US" dirty="0" smtClean="0"/>
-              <a:t/>
+              <a:t>Python development</a:t>
             </a:r>
             <a:br>
               <a:rPr lang="en-US" dirty="0" smtClean="0"/>
@@ -4197,6 +4190,166 @@
       <p:bldP spid="4" grpId="0" animBg="1"/>
     </p:bldLst>
   </p:timing>
+</p:sld>
+</file>
+
+<file path=ppt/slides/slide11.xml><?xml version="1.0" encoding="utf-8"?>
+<p:sld xmlns:a="http://schemas.openxmlformats.org/drawingml/2006/main" xmlns:r="http://schemas.openxmlformats.org/officeDocument/2006/relationships" xmlns:p="http://schemas.openxmlformats.org/presentationml/2006/main">
+  <p:cSld>
+    <p:spTree>
+      <p:nvGrpSpPr>
+        <p:cNvPr id="1" name=""/>
+        <p:cNvGrpSpPr/>
+        <p:nvPr/>
+      </p:nvGrpSpPr>
+      <p:grpSpPr>
+        <a:xfrm>
+          <a:off x="0" y="0"/>
+          <a:ext cx="0" cy="0"/>
+          <a:chOff x="0" y="0"/>
+          <a:chExt cx="0" cy="0"/>
+        </a:xfrm>
+      </p:grpSpPr>
+      <p:sp>
+        <p:nvSpPr>
+          <p:cNvPr id="2" name="Title 1"/>
+          <p:cNvSpPr>
+            <a:spLocks noGrp="1"/>
+          </p:cNvSpPr>
+          <p:nvPr>
+            <p:ph type="title"/>
+          </p:nvPr>
+        </p:nvSpPr>
+        <p:spPr/>
+        <p:txBody>
+          <a:bodyPr/>
+          <a:lstStyle/>
+          <a:p>
+            <a:r>
+              <a:rPr lang="en-US" dirty="0" smtClean="0"/>
+              <a:t>References</a:t>
+            </a:r>
+            <a:endParaRPr lang="en-US" dirty="0"/>
+          </a:p>
+        </p:txBody>
+      </p:sp>
+      <p:sp>
+        <p:nvSpPr>
+          <p:cNvPr id="3" name="Content Placeholder 2"/>
+          <p:cNvSpPr>
+            <a:spLocks noGrp="1"/>
+          </p:cNvSpPr>
+          <p:nvPr>
+            <p:ph idx="1"/>
+          </p:nvPr>
+        </p:nvSpPr>
+        <p:spPr/>
+        <p:txBody>
+          <a:bodyPr/>
+          <a:lstStyle/>
+          <a:p>
+            <a:r>
+              <a:rPr lang="en-US" dirty="0" smtClean="0"/>
+              <a:t>PEP8 style guide</a:t>
+            </a:r>
+            <a:br>
+              <a:rPr lang="en-US" dirty="0" smtClean="0"/>
+            </a:br>
+            <a:r>
+              <a:rPr lang="en-US" sz="2400" dirty="0" smtClean="0">
+                <a:hlinkClick r:id="rId2"/>
+              </a:rPr>
+              <a:t>https</a:t>
+            </a:r>
+            <a:r>
+              <a:rPr lang="en-US" sz="2400" dirty="0">
+                <a:hlinkClick r:id="rId2"/>
+              </a:rPr>
+              <a:t>://www.python.org/dev/peps/pep-0008</a:t>
+            </a:r>
+            <a:r>
+              <a:rPr lang="en-US" sz="2400" dirty="0" smtClean="0">
+                <a:hlinkClick r:id="rId2"/>
+              </a:rPr>
+              <a:t>/</a:t>
+            </a:r>
+            <a:r>
+              <a:rPr lang="en-US" sz="2400" dirty="0" smtClean="0"/>
+              <a:t> </a:t>
+            </a:r>
+          </a:p>
+          <a:p>
+            <a:r>
+              <a:rPr lang="en-US" i="1" dirty="0"/>
+              <a:t>Writing idiomatic Python 3.3</a:t>
+            </a:r>
+            <a:br>
+              <a:rPr lang="en-US" i="1" dirty="0"/>
+            </a:br>
+            <a:r>
+              <a:rPr lang="en-US" dirty="0"/>
+              <a:t>Jeff </a:t>
+            </a:r>
+            <a:r>
+              <a:rPr lang="en-US" dirty="0" err="1"/>
+              <a:t>Knupp</a:t>
+            </a:r>
+            <a:r>
+              <a:rPr lang="en-US" dirty="0"/>
+              <a:t>, </a:t>
+            </a:r>
+            <a:r>
+              <a:rPr lang="en-US" dirty="0" smtClean="0"/>
+              <a:t>2013</a:t>
+            </a:r>
+          </a:p>
+          <a:p>
+            <a:r>
+              <a:rPr lang="en-US" dirty="0" smtClean="0"/>
+              <a:t>GitHub</a:t>
+            </a:r>
+            <a:br>
+              <a:rPr lang="en-US" dirty="0" smtClean="0"/>
+            </a:br>
+            <a:r>
+              <a:rPr lang="en-US" sz="2400" dirty="0" smtClean="0">
+                <a:hlinkClick r:id="rId3"/>
+              </a:rPr>
+              <a:t>https</a:t>
+            </a:r>
+            <a:r>
+              <a:rPr lang="en-US" sz="2400" dirty="0">
+                <a:hlinkClick r:id="rId3"/>
+              </a:rPr>
+              <a:t>://github.com</a:t>
+            </a:r>
+            <a:r>
+              <a:rPr lang="en-US" sz="2400" dirty="0" smtClean="0">
+                <a:hlinkClick r:id="rId3"/>
+              </a:rPr>
+              <a:t>/</a:t>
+            </a:r>
+            <a:r>
+              <a:rPr lang="en-US" dirty="0" smtClean="0"/>
+              <a:t> </a:t>
+            </a:r>
+            <a:endParaRPr lang="en-US" dirty="0"/>
+          </a:p>
+          <a:p>
+            <a:endParaRPr lang="en-US" dirty="0"/>
+          </a:p>
+        </p:txBody>
+      </p:sp>
+    </p:spTree>
+    <p:extLst>
+      <p:ext uri="{BB962C8B-B14F-4D97-AF65-F5344CB8AC3E}">
+        <p14:creationId xmlns:p14="http://schemas.microsoft.com/office/powerpoint/2010/main" val="1930199197"/>
+      </p:ext>
+    </p:extLst>
+  </p:cSld>
+  <p:clrMapOvr>
+    <a:masterClrMapping/>
+  </p:clrMapOvr>
 </p:sld>
 </file>
 
@@ -5501,7 +5654,7 @@
             <a:graphicData uri="http://schemas.openxmlformats.org/presentationml/2006/ole">
               <mc:AlternateContent xmlns:mc="http://schemas.openxmlformats.org/markup-compatibility/2006">
                 <mc:Choice xmlns:v="urn:schemas-microsoft-com:vml" Requires="v">
-                  <p:oleObj spid="_x0000_s1039" name="Equation" r:id="rId4" imgW="1320227" imgH="710891" progId="Equation.3">
+                  <p:oleObj spid="_x0000_s1040" name="Equation" r:id="rId4" imgW="1320227" imgH="710891" progId="Equation.3">
                     <p:embed/>
                   </p:oleObj>
                 </mc:Choice>

--- a/Python/python_development_practices.pptx
+++ b/Python/python_development_practices.pptx
@@ -207,7 +207,7 @@
           <a:p>
             <a:fld id="{03DC287A-34DE-4461-AD1D-9F5D19819D26}" type="datetimeFigureOut">
               <a:rPr lang="en-US" smtClean="0"/>
-              <a:t>2016-06-03</a:t>
+              <a:t>2017-04-13</a:t>
             </a:fld>
             <a:endParaRPr lang="en-US"/>
           </a:p>
@@ -861,7 +861,7 @@
           <a:p>
             <a:fld id="{2B3CC443-572D-4CF3-967C-F4B193BF6B17}" type="datetimeFigureOut">
               <a:rPr lang="en-US" smtClean="0"/>
-              <a:t>2016-06-03</a:t>
+              <a:t>2017-04-13</a:t>
             </a:fld>
             <a:endParaRPr lang="en-US"/>
           </a:p>
@@ -1031,7 +1031,7 @@
           <a:p>
             <a:fld id="{2B3CC443-572D-4CF3-967C-F4B193BF6B17}" type="datetimeFigureOut">
               <a:rPr lang="en-US" smtClean="0"/>
-              <a:t>2016-06-03</a:t>
+              <a:t>2017-04-13</a:t>
             </a:fld>
             <a:endParaRPr lang="en-US"/>
           </a:p>
@@ -1211,7 +1211,7 @@
           <a:p>
             <a:fld id="{2B3CC443-572D-4CF3-967C-F4B193BF6B17}" type="datetimeFigureOut">
               <a:rPr lang="en-US" smtClean="0"/>
-              <a:t>2016-06-03</a:t>
+              <a:t>2017-04-13</a:t>
             </a:fld>
             <a:endParaRPr lang="en-US"/>
           </a:p>
@@ -1381,7 +1381,7 @@
           <a:p>
             <a:fld id="{2B3CC443-572D-4CF3-967C-F4B193BF6B17}" type="datetimeFigureOut">
               <a:rPr lang="en-US" smtClean="0"/>
-              <a:t>2016-06-03</a:t>
+              <a:t>2017-04-13</a:t>
             </a:fld>
             <a:endParaRPr lang="en-US"/>
           </a:p>
@@ -1625,7 +1625,7 @@
           <a:p>
             <a:fld id="{2B3CC443-572D-4CF3-967C-F4B193BF6B17}" type="datetimeFigureOut">
               <a:rPr lang="en-US" smtClean="0"/>
-              <a:t>2016-06-03</a:t>
+              <a:t>2017-04-13</a:t>
             </a:fld>
             <a:endParaRPr lang="en-US"/>
           </a:p>
@@ -1857,7 +1857,7 @@
           <a:p>
             <a:fld id="{2B3CC443-572D-4CF3-967C-F4B193BF6B17}" type="datetimeFigureOut">
               <a:rPr lang="en-US" smtClean="0"/>
-              <a:t>2016-06-03</a:t>
+              <a:t>2017-04-13</a:t>
             </a:fld>
             <a:endParaRPr lang="en-US"/>
           </a:p>
@@ -2224,7 +2224,7 @@
           <a:p>
             <a:fld id="{2B3CC443-572D-4CF3-967C-F4B193BF6B17}" type="datetimeFigureOut">
               <a:rPr lang="en-US" smtClean="0"/>
-              <a:t>2016-06-03</a:t>
+              <a:t>2017-04-13</a:t>
             </a:fld>
             <a:endParaRPr lang="en-US"/>
           </a:p>
@@ -2342,7 +2342,7 @@
           <a:p>
             <a:fld id="{2B3CC443-572D-4CF3-967C-F4B193BF6B17}" type="datetimeFigureOut">
               <a:rPr lang="en-US" smtClean="0"/>
-              <a:t>2016-06-03</a:t>
+              <a:t>2017-04-13</a:t>
             </a:fld>
             <a:endParaRPr lang="en-US"/>
           </a:p>
@@ -2437,7 +2437,7 @@
           <a:p>
             <a:fld id="{2B3CC443-572D-4CF3-967C-F4B193BF6B17}" type="datetimeFigureOut">
               <a:rPr lang="en-US" smtClean="0"/>
-              <a:t>2016-06-03</a:t>
+              <a:t>2017-04-13</a:t>
             </a:fld>
             <a:endParaRPr lang="en-US"/>
           </a:p>
@@ -2714,7 +2714,7 @@
           <a:p>
             <a:fld id="{2B3CC443-572D-4CF3-967C-F4B193BF6B17}" type="datetimeFigureOut">
               <a:rPr lang="en-US" smtClean="0"/>
-              <a:t>2016-06-03</a:t>
+              <a:t>2017-04-13</a:t>
             </a:fld>
             <a:endParaRPr lang="en-US"/>
           </a:p>
@@ -2971,7 +2971,7 @@
           <a:p>
             <a:fld id="{2B3CC443-572D-4CF3-967C-F4B193BF6B17}" type="datetimeFigureOut">
               <a:rPr lang="en-US" smtClean="0"/>
-              <a:t>2016-06-03</a:t>
+              <a:t>2017-04-13</a:t>
             </a:fld>
             <a:endParaRPr lang="en-US"/>
           </a:p>
@@ -3184,7 +3184,7 @@
           <a:p>
             <a:fld id="{2B3CC443-572D-4CF3-967C-F4B193BF6B17}" type="datetimeFigureOut">
               <a:rPr lang="en-US" smtClean="0"/>
-              <a:t>2016-06-03</a:t>
+              <a:t>2017-04-13</a:t>
             </a:fld>
             <a:endParaRPr lang="en-US"/>
           </a:p>
@@ -5654,7 +5654,7 @@
             <a:graphicData uri="http://schemas.openxmlformats.org/presentationml/2006/ole">
               <mc:AlternateContent xmlns:mc="http://schemas.openxmlformats.org/markup-compatibility/2006">
                 <mc:Choice xmlns:v="urn:schemas-microsoft-com:vml" Requires="v">
-                  <p:oleObj spid="_x0000_s1040" name="Equation" r:id="rId4" imgW="1320227" imgH="710891" progId="Equation.3">
+                  <p:oleObj spid="_x0000_s1042" name="Equation" r:id="rId4" imgW="1320227" imgH="710891" progId="Equation.3">
                     <p:embed/>
                   </p:oleObj>
                 </mc:Choice>
@@ -6869,7 +6869,11 @@
           <a:p>
             <a:r>
               <a:rPr lang="en-US" dirty="0" smtClean="0"/>
-              <a:t>Comment &amp; documentation</a:t>
+              <a:t>Comments </a:t>
+            </a:r>
+            <a:r>
+              <a:rPr lang="en-US" dirty="0" smtClean="0"/>
+              <a:t>&amp; documentation</a:t>
             </a:r>
           </a:p>
           <a:p>
@@ -7336,7 +7340,7 @@
         <p:spPr>
           <a:xfrm>
             <a:off x="936170" y="4931225"/>
-            <a:ext cx="5561138" cy="1200329"/>
+            <a:ext cx="5561138" cy="1477328"/>
           </a:xfrm>
           <a:prstGeom prst="rect">
             <a:avLst/>
@@ -7451,7 +7455,14 @@
                 <a:latin typeface="Courier New" panose="02070309020205020404" pitchFamily="49" charset="0"/>
                 <a:cs typeface="Courier New" panose="02070309020205020404" pitchFamily="49" charset="0"/>
               </a:rPr>
-              <a:t>(line)</a:t>
+              <a:t>(line</a:t>
+            </a:r>
+            <a:r>
+              <a:rPr lang="en-US" dirty="0" smtClean="0">
+                <a:latin typeface="Courier New" panose="02070309020205020404" pitchFamily="49" charset="0"/>
+                <a:cs typeface="Courier New" panose="02070309020205020404" pitchFamily="49" charset="0"/>
+              </a:rPr>
+              <a:t>)</a:t>
             </a:r>
           </a:p>
           <a:p>
@@ -7467,7 +7478,34 @@
                 <a:latin typeface="Courier New" panose="02070309020205020404" pitchFamily="49" charset="0"/>
                 <a:cs typeface="Courier New" panose="02070309020205020404" pitchFamily="49" charset="0"/>
               </a:rPr>
-              <a:t>       </a:t>
+              <a:t>       if </a:t>
+            </a:r>
+            <a:r>
+              <a:rPr lang="en-US" dirty="0" err="1" smtClean="0">
+                <a:latin typeface="Courier New" panose="02070309020205020404" pitchFamily="49" charset="0"/>
+                <a:cs typeface="Courier New" panose="02070309020205020404" pitchFamily="49" charset="0"/>
+              </a:rPr>
+              <a:t>is_valid</a:t>
+            </a:r>
+            <a:r>
+              <a:rPr lang="en-US" dirty="0" smtClean="0">
+                <a:latin typeface="Courier New" panose="02070309020205020404" pitchFamily="49" charset="0"/>
+                <a:cs typeface="Courier New" panose="02070309020205020404" pitchFamily="49" charset="0"/>
+              </a:rPr>
+              <a:t>(data):</a:t>
+            </a:r>
+            <a:endParaRPr lang="en-US" dirty="0" smtClean="0">
+              <a:latin typeface="Courier New" panose="02070309020205020404" pitchFamily="49" charset="0"/>
+              <a:cs typeface="Courier New" panose="02070309020205020404" pitchFamily="49" charset="0"/>
+            </a:endParaRPr>
+          </a:p>
+          <a:p>
+            <a:r>
+              <a:rPr lang="en-US" dirty="0" smtClean="0">
+                <a:latin typeface="Courier New" panose="02070309020205020404" pitchFamily="49" charset="0"/>
+                <a:cs typeface="Courier New" panose="02070309020205020404" pitchFamily="49" charset="0"/>
+              </a:rPr>
+              <a:t>            </a:t>
             </a:r>
             <a:r>
               <a:rPr lang="en-US" dirty="0" err="1" smtClean="0">
@@ -8016,8 +8054,13 @@
             <a:pPr lvl="1"/>
             <a:r>
               <a:rPr lang="en-US" dirty="0" smtClean="0"/>
-              <a:t>no longer than fits on monitor</a:t>
-            </a:r>
+              <a:t>no longer than fits on </a:t>
+            </a:r>
+            <a:r>
+              <a:rPr lang="en-US" dirty="0" smtClean="0"/>
+              <a:t>screen</a:t>
+            </a:r>
+            <a:endParaRPr lang="en-US" dirty="0" smtClean="0"/>
           </a:p>
           <a:p>
             <a:pPr lvl="1"/>
@@ -8033,8 +8076,13 @@
             </a:r>
             <a:r>
               <a:rPr lang="en-US" dirty="0" smtClean="0"/>
-              <a:t> code length</a:t>
-            </a:r>
+              <a:t> code </a:t>
+            </a:r>
+            <a:r>
+              <a:rPr lang="en-US" dirty="0" smtClean="0"/>
+              <a:t>length!</a:t>
+            </a:r>
+            <a:endParaRPr lang="en-US" dirty="0" smtClean="0"/>
           </a:p>
           <a:p>
             <a:r>
@@ -8976,13 +9024,10 @@
           </a:p>
           <a:p>
             <a:r>
-              <a:rPr lang="en-US" dirty="0" err="1" smtClean="0"/>
-              <a:t>E.g</a:t>
-            </a:r>
-            <a:r>
               <a:rPr lang="en-US" dirty="0" smtClean="0"/>
-              <a:t>,</a:t>
-            </a:r>
+              <a:t>E.g.,</a:t>
+            </a:r>
+            <a:endParaRPr lang="en-US" dirty="0" smtClean="0"/>
           </a:p>
           <a:p>
             <a:pPr lvl="1"/>

--- a/Python/python_development_practices.pptx
+++ b/Python/python_development_practices.pptx
@@ -207,7 +207,7 @@
           <a:p>
             <a:fld id="{03DC287A-34DE-4461-AD1D-9F5D19819D26}" type="datetimeFigureOut">
               <a:rPr lang="en-US" smtClean="0"/>
-              <a:t>2017-04-13</a:t>
+              <a:t>2017-08-30</a:t>
             </a:fld>
             <a:endParaRPr lang="en-US"/>
           </a:p>
@@ -859,9 +859,9 @@
           <a:bodyPr/>
           <a:lstStyle/>
           <a:p>
-            <a:fld id="{2B3CC443-572D-4CF3-967C-F4B193BF6B17}" type="datetimeFigureOut">
+            <a:fld id="{1DF38150-D70E-4F68-8A09-903C13BE461B}" type="datetime1">
               <a:rPr lang="en-US" smtClean="0"/>
-              <a:t>2017-04-13</a:t>
+              <a:t>2017-08-30</a:t>
             </a:fld>
             <a:endParaRPr lang="en-US"/>
           </a:p>
@@ -1029,9 +1029,9 @@
           <a:bodyPr/>
           <a:lstStyle/>
           <a:p>
-            <a:fld id="{2B3CC443-572D-4CF3-967C-F4B193BF6B17}" type="datetimeFigureOut">
+            <a:fld id="{A4449C32-28C2-45B5-B02D-D687679CC972}" type="datetime1">
               <a:rPr lang="en-US" smtClean="0"/>
-              <a:t>2017-04-13</a:t>
+              <a:t>2017-08-30</a:t>
             </a:fld>
             <a:endParaRPr lang="en-US"/>
           </a:p>
@@ -1209,9 +1209,9 @@
           <a:bodyPr/>
           <a:lstStyle/>
           <a:p>
-            <a:fld id="{2B3CC443-572D-4CF3-967C-F4B193BF6B17}" type="datetimeFigureOut">
+            <a:fld id="{E2A49ABE-08AC-4592-882A-53603BDF527E}" type="datetime1">
               <a:rPr lang="en-US" smtClean="0"/>
-              <a:t>2017-04-13</a:t>
+              <a:t>2017-08-30</a:t>
             </a:fld>
             <a:endParaRPr lang="en-US"/>
           </a:p>
@@ -1379,9 +1379,9 @@
           <a:bodyPr/>
           <a:lstStyle/>
           <a:p>
-            <a:fld id="{2B3CC443-572D-4CF3-967C-F4B193BF6B17}" type="datetimeFigureOut">
+            <a:fld id="{6A1BF536-67D1-4E18-8A44-26DD879B54E8}" type="datetime1">
               <a:rPr lang="en-US" smtClean="0"/>
-              <a:t>2017-04-13</a:t>
+              <a:t>2017-08-30</a:t>
             </a:fld>
             <a:endParaRPr lang="en-US"/>
           </a:p>
@@ -1623,9 +1623,9 @@
           <a:bodyPr/>
           <a:lstStyle/>
           <a:p>
-            <a:fld id="{2B3CC443-572D-4CF3-967C-F4B193BF6B17}" type="datetimeFigureOut">
+            <a:fld id="{67733BDF-EF14-406E-8080-2F05EC42B4BE}" type="datetime1">
               <a:rPr lang="en-US" smtClean="0"/>
-              <a:t>2017-04-13</a:t>
+              <a:t>2017-08-30</a:t>
             </a:fld>
             <a:endParaRPr lang="en-US"/>
           </a:p>
@@ -1855,9 +1855,9 @@
           <a:bodyPr/>
           <a:lstStyle/>
           <a:p>
-            <a:fld id="{2B3CC443-572D-4CF3-967C-F4B193BF6B17}" type="datetimeFigureOut">
+            <a:fld id="{8C2C56F9-AC64-4C91-A907-171E8FAE1172}" type="datetime1">
               <a:rPr lang="en-US" smtClean="0"/>
-              <a:t>2017-04-13</a:t>
+              <a:t>2017-08-30</a:t>
             </a:fld>
             <a:endParaRPr lang="en-US"/>
           </a:p>
@@ -2222,9 +2222,9 @@
           <a:bodyPr/>
           <a:lstStyle/>
           <a:p>
-            <a:fld id="{2B3CC443-572D-4CF3-967C-F4B193BF6B17}" type="datetimeFigureOut">
+            <a:fld id="{9EB8BB38-8670-423E-A88C-971B8F6A885F}" type="datetime1">
               <a:rPr lang="en-US" smtClean="0"/>
-              <a:t>2017-04-13</a:t>
+              <a:t>2017-08-30</a:t>
             </a:fld>
             <a:endParaRPr lang="en-US"/>
           </a:p>
@@ -2340,9 +2340,9 @@
           <a:bodyPr/>
           <a:lstStyle/>
           <a:p>
-            <a:fld id="{2B3CC443-572D-4CF3-967C-F4B193BF6B17}" type="datetimeFigureOut">
+            <a:fld id="{D4CE068C-34E2-4DC3-98D9-09708647FD49}" type="datetime1">
               <a:rPr lang="en-US" smtClean="0"/>
-              <a:t>2017-04-13</a:t>
+              <a:t>2017-08-30</a:t>
             </a:fld>
             <a:endParaRPr lang="en-US"/>
           </a:p>
@@ -2435,9 +2435,9 @@
           <a:bodyPr/>
           <a:lstStyle/>
           <a:p>
-            <a:fld id="{2B3CC443-572D-4CF3-967C-F4B193BF6B17}" type="datetimeFigureOut">
+            <a:fld id="{EFD25DD0-FEA6-443A-B018-1960B15F8587}" type="datetime1">
               <a:rPr lang="en-US" smtClean="0"/>
-              <a:t>2017-04-13</a:t>
+              <a:t>2017-08-30</a:t>
             </a:fld>
             <a:endParaRPr lang="en-US"/>
           </a:p>
@@ -2712,9 +2712,9 @@
           <a:bodyPr/>
           <a:lstStyle/>
           <a:p>
-            <a:fld id="{2B3CC443-572D-4CF3-967C-F4B193BF6B17}" type="datetimeFigureOut">
+            <a:fld id="{6B6CCD6C-00AD-4FD9-BE35-3CCBC6EB583C}" type="datetime1">
               <a:rPr lang="en-US" smtClean="0"/>
-              <a:t>2017-04-13</a:t>
+              <a:t>2017-08-30</a:t>
             </a:fld>
             <a:endParaRPr lang="en-US"/>
           </a:p>
@@ -2969,9 +2969,9 @@
           <a:bodyPr/>
           <a:lstStyle/>
           <a:p>
-            <a:fld id="{2B3CC443-572D-4CF3-967C-F4B193BF6B17}" type="datetimeFigureOut">
+            <a:fld id="{D92A50C5-8AD3-42AB-AD4B-95C77511C4D9}" type="datetime1">
               <a:rPr lang="en-US" smtClean="0"/>
-              <a:t>2017-04-13</a:t>
+              <a:t>2017-08-30</a:t>
             </a:fld>
             <a:endParaRPr lang="en-US"/>
           </a:p>
@@ -3182,9 +3182,9 @@
             </a:lvl1pPr>
           </a:lstStyle>
           <a:p>
-            <a:fld id="{2B3CC443-572D-4CF3-967C-F4B193BF6B17}" type="datetimeFigureOut">
+            <a:fld id="{32CF1EE9-EABA-4EF0-9B6C-F67C1A3F29C2}" type="datetime1">
               <a:rPr lang="en-US" smtClean="0"/>
-              <a:t>2017-04-13</a:t>
+              <a:t>2017-08-30</a:t>
             </a:fld>
             <a:endParaRPr lang="en-US"/>
           </a:p>
@@ -3289,6 +3289,7 @@
     <p:sldLayoutId id="2147483670" r:id="rId10"/>
     <p:sldLayoutId id="2147483671" r:id="rId11"/>
   </p:sldLayoutIdLst>
+  <p:hf hdr="0" ftr="0" dt="0"/>
   <p:txStyles>
     <p:titleStyle>
       <a:lvl1pPr algn="l" defTabSz="914400" rtl="0" eaLnBrk="1" latinLnBrk="0" hangingPunct="1">
@@ -3700,6 +3701,29 @@
           </a:p>
         </p:txBody>
       </p:sp>
+      <p:sp>
+        <p:nvSpPr>
+          <p:cNvPr id="5" name="Slide Number Placeholder 4"/>
+          <p:cNvSpPr>
+            <a:spLocks noGrp="1"/>
+          </p:cNvSpPr>
+          <p:nvPr>
+            <p:ph type="sldNum" sz="quarter" idx="12"/>
+          </p:nvPr>
+        </p:nvSpPr>
+        <p:spPr/>
+        <p:txBody>
+          <a:bodyPr/>
+          <a:lstStyle/>
+          <a:p>
+            <a:fld id="{1C1CB5B1-7AB8-4189-884D-6F6B0BA55CB4}" type="slidenum">
+              <a:rPr lang="en-US" smtClean="0"/>
+              <a:t>1</a:t>
+            </a:fld>
+            <a:endParaRPr lang="en-US"/>
+          </a:p>
+        </p:txBody>
+      </p:sp>
     </p:spTree>
     <p:extLst>
       <p:ext uri="{BB962C8B-B14F-4D97-AF65-F5344CB8AC3E}">
@@ -3855,6 +3879,29 @@
               <a:t>git</a:t>
             </a:r>
             <a:endParaRPr lang="en-US" sz="2800" dirty="0"/>
+          </a:p>
+        </p:txBody>
+      </p:sp>
+      <p:sp>
+        <p:nvSpPr>
+          <p:cNvPr id="5" name="Slide Number Placeholder 4"/>
+          <p:cNvSpPr>
+            <a:spLocks noGrp="1"/>
+          </p:cNvSpPr>
+          <p:nvPr>
+            <p:ph type="sldNum" sz="quarter" idx="12"/>
+          </p:nvPr>
+        </p:nvSpPr>
+        <p:spPr/>
+        <p:txBody>
+          <a:bodyPr/>
+          <a:lstStyle/>
+          <a:p>
+            <a:fld id="{1C1CB5B1-7AB8-4189-884D-6F6B0BA55CB4}" type="slidenum">
+              <a:rPr lang="en-US" smtClean="0"/>
+              <a:t>10</a:t>
+            </a:fld>
+            <a:endParaRPr lang="en-US"/>
           </a:p>
         </p:txBody>
       </p:sp>
@@ -4340,6 +4387,29 @@
           </a:p>
         </p:txBody>
       </p:sp>
+      <p:sp>
+        <p:nvSpPr>
+          <p:cNvPr id="4" name="Slide Number Placeholder 3"/>
+          <p:cNvSpPr>
+            <a:spLocks noGrp="1"/>
+          </p:cNvSpPr>
+          <p:nvPr>
+            <p:ph type="sldNum" sz="quarter" idx="12"/>
+          </p:nvPr>
+        </p:nvSpPr>
+        <p:spPr/>
+        <p:txBody>
+          <a:bodyPr/>
+          <a:lstStyle/>
+          <a:p>
+            <a:fld id="{1C1CB5B1-7AB8-4189-884D-6F6B0BA55CB4}" type="slidenum">
+              <a:rPr lang="en-US" smtClean="0"/>
+              <a:t>11</a:t>
+            </a:fld>
+            <a:endParaRPr lang="en-US"/>
+          </a:p>
+        </p:txBody>
+      </p:sp>
     </p:spTree>
     <p:extLst>
       <p:ext uri="{BB962C8B-B14F-4D97-AF65-F5344CB8AC3E}">
@@ -4350,6 +4420,13 @@
   <p:clrMapOvr>
     <a:masterClrMapping/>
   </p:clrMapOvr>
+  <p:timing>
+    <p:tnLst>
+      <p:par>
+        <p:cTn id="1" dur="indefinite" restart="never" nodeType="tmRoot"/>
+      </p:par>
+    </p:tnLst>
+  </p:timing>
 </p:sld>
 </file>
 
@@ -5654,7 +5731,7 @@
             <a:graphicData uri="http://schemas.openxmlformats.org/presentationml/2006/ole">
               <mc:AlternateContent xmlns:mc="http://schemas.openxmlformats.org/markup-compatibility/2006">
                 <mc:Choice xmlns:v="urn:schemas-microsoft-com:vml" Requires="v">
-                  <p:oleObj spid="_x0000_s1042" name="Equation" r:id="rId4" imgW="1320227" imgH="710891" progId="Equation.3">
+                  <p:oleObj spid="_x0000_s1043" name="Equation" r:id="rId4" imgW="1320227" imgH="710891" progId="Equation.3">
                     <p:embed/>
                   </p:oleObj>
                 </mc:Choice>
@@ -6419,7 +6496,7 @@
         </p:nvSpPr>
         <p:spPr bwMode="auto">
           <a:xfrm>
-            <a:off x="179388" y="5924550"/>
+            <a:off x="179388" y="5831031"/>
             <a:ext cx="8731250" cy="482600"/>
           </a:xfrm>
           <a:prstGeom prst="rect">
@@ -6602,6 +6679,29 @@
               <a:rPr lang="en-US" altLang="nl-BE" sz="2400"/>
               <a:t> implementation</a:t>
             </a:r>
+          </a:p>
+        </p:txBody>
+      </p:sp>
+      <p:sp>
+        <p:nvSpPr>
+          <p:cNvPr id="4" name="Slide Number Placeholder 3"/>
+          <p:cNvSpPr>
+            <a:spLocks noGrp="1"/>
+          </p:cNvSpPr>
+          <p:nvPr>
+            <p:ph type="sldNum" sz="quarter" idx="12"/>
+          </p:nvPr>
+        </p:nvSpPr>
+        <p:spPr/>
+        <p:txBody>
+          <a:bodyPr/>
+          <a:lstStyle/>
+          <a:p>
+            <a:fld id="{1C1CB5B1-7AB8-4189-884D-6F6B0BA55CB4}" type="slidenum">
+              <a:rPr lang="en-US" smtClean="0"/>
+              <a:t>2</a:t>
+            </a:fld>
+            <a:endParaRPr lang="en-US"/>
           </a:p>
         </p:txBody>
       </p:sp>
@@ -6869,11 +6969,7 @@
           <a:p>
             <a:r>
               <a:rPr lang="en-US" dirty="0" smtClean="0"/>
-              <a:t>Comments </a:t>
-            </a:r>
-            <a:r>
-              <a:rPr lang="en-US" dirty="0" smtClean="0"/>
-              <a:t>&amp; documentation</a:t>
+              <a:t>Comments &amp; documentation</a:t>
             </a:r>
           </a:p>
           <a:p>
@@ -6881,6 +6977,29 @@
               <a:rPr lang="en-US" dirty="0" smtClean="0"/>
               <a:t>Provide examples/tests</a:t>
             </a:r>
+          </a:p>
+        </p:txBody>
+      </p:sp>
+      <p:sp>
+        <p:nvSpPr>
+          <p:cNvPr id="4" name="Slide Number Placeholder 3"/>
+          <p:cNvSpPr>
+            <a:spLocks noGrp="1"/>
+          </p:cNvSpPr>
+          <p:nvPr>
+            <p:ph type="sldNum" sz="quarter" idx="12"/>
+          </p:nvPr>
+        </p:nvSpPr>
+        <p:spPr/>
+        <p:txBody>
+          <a:bodyPr/>
+          <a:lstStyle/>
+          <a:p>
+            <a:fld id="{1C1CB5B1-7AB8-4189-884D-6F6B0BA55CB4}" type="slidenum">
+              <a:rPr lang="en-US" smtClean="0"/>
+              <a:t>3</a:t>
+            </a:fld>
+            <a:endParaRPr lang="en-US"/>
           </a:p>
         </p:txBody>
       </p:sp>
@@ -7455,14 +7574,7 @@
                 <a:latin typeface="Courier New" panose="02070309020205020404" pitchFamily="49" charset="0"/>
                 <a:cs typeface="Courier New" panose="02070309020205020404" pitchFamily="49" charset="0"/>
               </a:rPr>
-              <a:t>(line</a:t>
-            </a:r>
-            <a:r>
-              <a:rPr lang="en-US" dirty="0" smtClean="0">
-                <a:latin typeface="Courier New" panose="02070309020205020404" pitchFamily="49" charset="0"/>
-                <a:cs typeface="Courier New" panose="02070309020205020404" pitchFamily="49" charset="0"/>
-              </a:rPr>
-              <a:t>)</a:t>
+              <a:t>(line)</a:t>
             </a:r>
           </a:p>
           <a:p>
@@ -7494,10 +7606,6 @@
               </a:rPr>
               <a:t>(data):</a:t>
             </a:r>
-            <a:endParaRPr lang="en-US" dirty="0" smtClean="0">
-              <a:latin typeface="Courier New" panose="02070309020205020404" pitchFamily="49" charset="0"/>
-              <a:cs typeface="Courier New" panose="02070309020205020404" pitchFamily="49" charset="0"/>
-            </a:endParaRPr>
           </a:p>
           <a:p>
             <a:r>
@@ -7582,6 +7690,29 @@
               <a:t>least surprise</a:t>
             </a:r>
             <a:endParaRPr lang="en-US" sz="2800" dirty="0"/>
+          </a:p>
+        </p:txBody>
+      </p:sp>
+      <p:sp>
+        <p:nvSpPr>
+          <p:cNvPr id="6" name="Slide Number Placeholder 5"/>
+          <p:cNvSpPr>
+            <a:spLocks noGrp="1"/>
+          </p:cNvSpPr>
+          <p:nvPr>
+            <p:ph type="sldNum" sz="quarter" idx="12"/>
+          </p:nvPr>
+        </p:nvSpPr>
+        <p:spPr/>
+        <p:txBody>
+          <a:bodyPr/>
+          <a:lstStyle/>
+          <a:p>
+            <a:fld id="{1C1CB5B1-7AB8-4189-884D-6F6B0BA55CB4}" type="slidenum">
+              <a:rPr lang="en-US" smtClean="0"/>
+              <a:t>4</a:t>
+            </a:fld>
+            <a:endParaRPr lang="en-US"/>
           </a:p>
         </p:txBody>
       </p:sp>
@@ -8054,13 +8185,8 @@
             <a:pPr lvl="1"/>
             <a:r>
               <a:rPr lang="en-US" dirty="0" smtClean="0"/>
-              <a:t>no longer than fits on </a:t>
-            </a:r>
-            <a:r>
-              <a:rPr lang="en-US" dirty="0" smtClean="0"/>
-              <a:t>screen</a:t>
-            </a:r>
-            <a:endParaRPr lang="en-US" dirty="0" smtClean="0"/>
+              <a:t>no longer than fits on screen</a:t>
+            </a:r>
           </a:p>
           <a:p>
             <a:pPr lvl="1"/>
@@ -8076,13 +8202,8 @@
             </a:r>
             <a:r>
               <a:rPr lang="en-US" dirty="0" smtClean="0"/>
-              <a:t> code </a:t>
-            </a:r>
-            <a:r>
-              <a:rPr lang="en-US" dirty="0" smtClean="0"/>
-              <a:t>length!</a:t>
-            </a:r>
-            <a:endParaRPr lang="en-US" dirty="0" smtClean="0"/>
+              <a:t> code length!</a:t>
+            </a:r>
           </a:p>
           <a:p>
             <a:r>
@@ -8122,6 +8243,29 @@
               <a:t>matter of taste</a:t>
             </a:r>
             <a:endParaRPr lang="en-US" dirty="0"/>
+          </a:p>
+        </p:txBody>
+      </p:sp>
+      <p:sp>
+        <p:nvSpPr>
+          <p:cNvPr id="4" name="Slide Number Placeholder 3"/>
+          <p:cNvSpPr>
+            <a:spLocks noGrp="1"/>
+          </p:cNvSpPr>
+          <p:nvPr>
+            <p:ph type="sldNum" sz="quarter" idx="12"/>
+          </p:nvPr>
+        </p:nvSpPr>
+        <p:spPr/>
+        <p:txBody>
+          <a:bodyPr/>
+          <a:lstStyle/>
+          <a:p>
+            <a:fld id="{1C1CB5B1-7AB8-4189-884D-6F6B0BA55CB4}" type="slidenum">
+              <a:rPr lang="en-US" smtClean="0"/>
+              <a:t>5</a:t>
+            </a:fld>
+            <a:endParaRPr lang="en-US"/>
           </a:p>
         </p:txBody>
       </p:sp>
@@ -8647,6 +8791,29 @@
           </a:p>
         </p:txBody>
       </p:sp>
+      <p:sp>
+        <p:nvSpPr>
+          <p:cNvPr id="4" name="Slide Number Placeholder 3"/>
+          <p:cNvSpPr>
+            <a:spLocks noGrp="1"/>
+          </p:cNvSpPr>
+          <p:nvPr>
+            <p:ph type="sldNum" sz="quarter" idx="12"/>
+          </p:nvPr>
+        </p:nvSpPr>
+        <p:spPr/>
+        <p:txBody>
+          <a:bodyPr/>
+          <a:lstStyle/>
+          <a:p>
+            <a:fld id="{1C1CB5B1-7AB8-4189-884D-6F6B0BA55CB4}" type="slidenum">
+              <a:rPr lang="en-US" smtClean="0"/>
+              <a:t>6</a:t>
+            </a:fld>
+            <a:endParaRPr lang="en-US"/>
+          </a:p>
+        </p:txBody>
+      </p:sp>
     </p:spTree>
     <p:extLst>
       <p:ext uri="{BB962C8B-B14F-4D97-AF65-F5344CB8AC3E}">
@@ -9027,7 +9194,6 @@
               <a:rPr lang="en-US" dirty="0" smtClean="0"/>
               <a:t>E.g.,</a:t>
             </a:r>
-            <a:endParaRPr lang="en-US" dirty="0" smtClean="0"/>
           </a:p>
           <a:p>
             <a:pPr lvl="1"/>
@@ -9271,6 +9437,29 @@
               <a:latin typeface="Courier New" panose="02070309020205020404" pitchFamily="49" charset="0"/>
               <a:cs typeface="Courier New" panose="02070309020205020404" pitchFamily="49" charset="0"/>
             </a:endParaRPr>
+          </a:p>
+        </p:txBody>
+      </p:sp>
+      <p:sp>
+        <p:nvSpPr>
+          <p:cNvPr id="5" name="Slide Number Placeholder 4"/>
+          <p:cNvSpPr>
+            <a:spLocks noGrp="1"/>
+          </p:cNvSpPr>
+          <p:nvPr>
+            <p:ph type="sldNum" sz="quarter" idx="12"/>
+          </p:nvPr>
+        </p:nvSpPr>
+        <p:spPr/>
+        <p:txBody>
+          <a:bodyPr/>
+          <a:lstStyle/>
+          <a:p>
+            <a:fld id="{1C1CB5B1-7AB8-4189-884D-6F6B0BA55CB4}" type="slidenum">
+              <a:rPr lang="en-US" smtClean="0"/>
+              <a:t>7</a:t>
+            </a:fld>
+            <a:endParaRPr lang="en-US"/>
           </a:p>
         </p:txBody>
       </p:sp>
@@ -9770,6 +9959,29 @@
               <a:t> (for many languages)</a:t>
             </a:r>
             <a:endParaRPr lang="en-US" dirty="0"/>
+          </a:p>
+        </p:txBody>
+      </p:sp>
+      <p:sp>
+        <p:nvSpPr>
+          <p:cNvPr id="4" name="Slide Number Placeholder 3"/>
+          <p:cNvSpPr>
+            <a:spLocks noGrp="1"/>
+          </p:cNvSpPr>
+          <p:nvPr>
+            <p:ph type="sldNum" sz="quarter" idx="12"/>
+          </p:nvPr>
+        </p:nvSpPr>
+        <p:spPr/>
+        <p:txBody>
+          <a:bodyPr/>
+          <a:lstStyle/>
+          <a:p>
+            <a:fld id="{1C1CB5B1-7AB8-4189-884D-6F6B0BA55CB4}" type="slidenum">
+              <a:rPr lang="en-US" smtClean="0"/>
+              <a:t>8</a:t>
+            </a:fld>
+            <a:endParaRPr lang="en-US"/>
           </a:p>
         </p:txBody>
       </p:sp>
@@ -10375,6 +10587,29 @@
               <a:t>nose</a:t>
             </a:r>
             <a:endParaRPr lang="en-US" dirty="0"/>
+          </a:p>
+        </p:txBody>
+      </p:sp>
+      <p:sp>
+        <p:nvSpPr>
+          <p:cNvPr id="4" name="Slide Number Placeholder 3"/>
+          <p:cNvSpPr>
+            <a:spLocks noGrp="1"/>
+          </p:cNvSpPr>
+          <p:nvPr>
+            <p:ph type="sldNum" sz="quarter" idx="12"/>
+          </p:nvPr>
+        </p:nvSpPr>
+        <p:spPr/>
+        <p:txBody>
+          <a:bodyPr/>
+          <a:lstStyle/>
+          <a:p>
+            <a:fld id="{1C1CB5B1-7AB8-4189-884D-6F6B0BA55CB4}" type="slidenum">
+              <a:rPr lang="en-US" smtClean="0"/>
+              <a:t>9</a:t>
+            </a:fld>
+            <a:endParaRPr lang="en-US"/>
           </a:p>
         </p:txBody>
       </p:sp>
